--- a/First Rule.pptx
+++ b/First Rule.pptx
@@ -5,7 +5,7 @@
     <p:sldMasterId id="2147483648" r:id="rId1"/>
   </p:sldMasterIdLst>
   <p:notesMasterIdLst>
-    <p:notesMasterId r:id="rId7"/>
+    <p:notesMasterId r:id="rId8"/>
   </p:notesMasterIdLst>
   <p:sldIdLst>
     <p:sldId id="257" r:id="rId2"/>
@@ -13,6 +13,7 @@
     <p:sldId id="260" r:id="rId4"/>
     <p:sldId id="261" r:id="rId5"/>
     <p:sldId id="259" r:id="rId6"/>
+    <p:sldId id="262" r:id="rId7"/>
   </p:sldIdLst>
   <p:sldSz cx="12192000" cy="6858000"/>
   <p:notesSz cx="6858000" cy="9144000"/>
@@ -111,6 +112,11 @@
       </a:defRPr>
     </a:lvl9pPr>
   </p:defaultTextStyle>
+  <p:extLst>
+    <p:ext uri="{EFAFB233-063F-42B5-8137-9DF3F51BA10A}">
+      <p15:sldGuideLst xmlns:p15="http://schemas.microsoft.com/office/powerpoint/2012/main"/>
+    </p:ext>
+  </p:extLst>
 </p:presentation>
 </file>
 
@@ -196,7 +202,7 @@
           <a:p>
             <a:fld id="{7DFFDD34-22B0-4971-B4B0-6520752958F8}" type="datetimeFigureOut">
               <a:rPr lang="en-US" smtClean="0"/>
-              <a:t>3/13/2018</a:t>
+              <a:t>3/14/2018</a:t>
             </a:fld>
             <a:endParaRPr lang="en-US"/>
           </a:p>
@@ -291,7 +297,6 @@
               <a:rPr lang="en-US"/>
               <a:t>Fifth level</a:t>
             </a:r>
-            <a:endParaRPr lang="en-US"/>
           </a:p>
         </p:txBody>
       </p:sp>
@@ -509,7 +514,6 @@
               <a:rPr lang="en-US"/>
               <a:t>Click to edit Master title style</a:t>
             </a:r>
-            <a:endParaRPr lang="en-US"/>
           </a:p>
         </p:txBody>
       </p:sp>
@@ -574,7 +578,6 @@
               <a:rPr lang="en-US"/>
               <a:t>Click to edit Master subtitle style</a:t>
             </a:r>
-            <a:endParaRPr lang="en-US"/>
           </a:p>
         </p:txBody>
       </p:sp>
@@ -595,7 +598,7 @@
           <a:p>
             <a:fld id="{43D46E6A-C8A5-427F-9839-AF8BD2C04FA8}" type="datetimeFigureOut">
               <a:rPr lang="en-US" smtClean="0"/>
-              <a:t>3/13/2018</a:t>
+              <a:t>3/14/2018</a:t>
             </a:fld>
             <a:endParaRPr lang="en-US"/>
           </a:p>
@@ -692,7 +695,6 @@
               <a:rPr lang="en-US"/>
               <a:t>Click to edit Master title style</a:t>
             </a:r>
-            <a:endParaRPr lang="en-US"/>
           </a:p>
         </p:txBody>
       </p:sp>
@@ -744,7 +746,6 @@
               <a:rPr lang="en-US"/>
               <a:t>Fifth level</a:t>
             </a:r>
-            <a:endParaRPr lang="en-US"/>
           </a:p>
         </p:txBody>
       </p:sp>
@@ -765,7 +766,7 @@
           <a:p>
             <a:fld id="{43D46E6A-C8A5-427F-9839-AF8BD2C04FA8}" type="datetimeFigureOut">
               <a:rPr lang="en-US" smtClean="0"/>
-              <a:t>3/13/2018</a:t>
+              <a:t>3/14/2018</a:t>
             </a:fld>
             <a:endParaRPr lang="en-US"/>
           </a:p>
@@ -867,7 +868,6 @@
               <a:rPr lang="en-US"/>
               <a:t>Click to edit Master title style</a:t>
             </a:r>
-            <a:endParaRPr lang="en-US"/>
           </a:p>
         </p:txBody>
       </p:sp>
@@ -924,7 +924,6 @@
               <a:rPr lang="en-US"/>
               <a:t>Fifth level</a:t>
             </a:r>
-            <a:endParaRPr lang="en-US"/>
           </a:p>
         </p:txBody>
       </p:sp>
@@ -945,7 +944,7 @@
           <a:p>
             <a:fld id="{43D46E6A-C8A5-427F-9839-AF8BD2C04FA8}" type="datetimeFigureOut">
               <a:rPr lang="en-US" smtClean="0"/>
-              <a:t>3/13/2018</a:t>
+              <a:t>3/14/2018</a:t>
             </a:fld>
             <a:endParaRPr lang="en-US"/>
           </a:p>
@@ -1042,7 +1041,6 @@
               <a:rPr lang="en-US"/>
               <a:t>Click to edit Master title style</a:t>
             </a:r>
-            <a:endParaRPr lang="en-US"/>
           </a:p>
         </p:txBody>
       </p:sp>
@@ -1094,7 +1092,6 @@
               <a:rPr lang="en-US"/>
               <a:t>Fifth level</a:t>
             </a:r>
-            <a:endParaRPr lang="en-US"/>
           </a:p>
         </p:txBody>
       </p:sp>
@@ -1115,7 +1112,7 @@
           <a:p>
             <a:fld id="{43D46E6A-C8A5-427F-9839-AF8BD2C04FA8}" type="datetimeFigureOut">
               <a:rPr lang="en-US" smtClean="0"/>
-              <a:t>3/13/2018</a:t>
+              <a:t>3/14/2018</a:t>
             </a:fld>
             <a:endParaRPr lang="en-US"/>
           </a:p>
@@ -1221,7 +1218,6 @@
               <a:rPr lang="en-US"/>
               <a:t>Click to edit Master title style</a:t>
             </a:r>
-            <a:endParaRPr lang="en-US"/>
           </a:p>
         </p:txBody>
       </p:sp>
@@ -1361,7 +1357,7 @@
           <a:p>
             <a:fld id="{43D46E6A-C8A5-427F-9839-AF8BD2C04FA8}" type="datetimeFigureOut">
               <a:rPr lang="en-US" smtClean="0"/>
-              <a:t>3/13/2018</a:t>
+              <a:t>3/14/2018</a:t>
             </a:fld>
             <a:endParaRPr lang="en-US"/>
           </a:p>
@@ -1458,7 +1454,6 @@
               <a:rPr lang="en-US"/>
               <a:t>Click to edit Master title style</a:t>
             </a:r>
-            <a:endParaRPr lang="en-US"/>
           </a:p>
         </p:txBody>
       </p:sp>
@@ -1515,7 +1510,6 @@
               <a:rPr lang="en-US"/>
               <a:t>Fifth level</a:t>
             </a:r>
-            <a:endParaRPr lang="en-US"/>
           </a:p>
         </p:txBody>
       </p:sp>
@@ -1572,7 +1566,6 @@
               <a:rPr lang="en-US"/>
               <a:t>Fifth level</a:t>
             </a:r>
-            <a:endParaRPr lang="en-US"/>
           </a:p>
         </p:txBody>
       </p:sp>
@@ -1593,7 +1586,7 @@
           <a:p>
             <a:fld id="{43D46E6A-C8A5-427F-9839-AF8BD2C04FA8}" type="datetimeFigureOut">
               <a:rPr lang="en-US" smtClean="0"/>
-              <a:t>3/13/2018</a:t>
+              <a:t>3/14/2018</a:t>
             </a:fld>
             <a:endParaRPr lang="en-US"/>
           </a:p>
@@ -1695,7 +1688,6 @@
               <a:rPr lang="en-US"/>
               <a:t>Click to edit Master title style</a:t>
             </a:r>
-            <a:endParaRPr lang="en-US"/>
           </a:p>
         </p:txBody>
       </p:sp>
@@ -1817,7 +1809,6 @@
               <a:rPr lang="en-US"/>
               <a:t>Fifth level</a:t>
             </a:r>
-            <a:endParaRPr lang="en-US"/>
           </a:p>
         </p:txBody>
       </p:sp>
@@ -1939,7 +1930,6 @@
               <a:rPr lang="en-US"/>
               <a:t>Fifth level</a:t>
             </a:r>
-            <a:endParaRPr lang="en-US"/>
           </a:p>
         </p:txBody>
       </p:sp>
@@ -1960,7 +1950,7 @@
           <a:p>
             <a:fld id="{43D46E6A-C8A5-427F-9839-AF8BD2C04FA8}" type="datetimeFigureOut">
               <a:rPr lang="en-US" smtClean="0"/>
-              <a:t>3/13/2018</a:t>
+              <a:t>3/14/2018</a:t>
             </a:fld>
             <a:endParaRPr lang="en-US"/>
           </a:p>
@@ -2057,7 +2047,6 @@
               <a:rPr lang="en-US"/>
               <a:t>Click to edit Master title style</a:t>
             </a:r>
-            <a:endParaRPr lang="en-US"/>
           </a:p>
         </p:txBody>
       </p:sp>
@@ -2078,7 +2067,7 @@
           <a:p>
             <a:fld id="{43D46E6A-C8A5-427F-9839-AF8BD2C04FA8}" type="datetimeFigureOut">
               <a:rPr lang="en-US" smtClean="0"/>
-              <a:t>3/13/2018</a:t>
+              <a:t>3/14/2018</a:t>
             </a:fld>
             <a:endParaRPr lang="en-US"/>
           </a:p>
@@ -2173,7 +2162,7 @@
           <a:p>
             <a:fld id="{43D46E6A-C8A5-427F-9839-AF8BD2C04FA8}" type="datetimeFigureOut">
               <a:rPr lang="en-US" smtClean="0"/>
-              <a:t>3/13/2018</a:t>
+              <a:t>3/14/2018</a:t>
             </a:fld>
             <a:endParaRPr lang="en-US"/>
           </a:p>
@@ -2279,7 +2268,6 @@
               <a:rPr lang="en-US"/>
               <a:t>Click to edit Master title style</a:t>
             </a:r>
-            <a:endParaRPr lang="en-US"/>
           </a:p>
         </p:txBody>
       </p:sp>
@@ -2364,7 +2352,6 @@
               <a:rPr lang="en-US"/>
               <a:t>Fifth level</a:t>
             </a:r>
-            <a:endParaRPr lang="en-US"/>
           </a:p>
         </p:txBody>
       </p:sp>
@@ -2450,7 +2437,7 @@
           <a:p>
             <a:fld id="{43D46E6A-C8A5-427F-9839-AF8BD2C04FA8}" type="datetimeFigureOut">
               <a:rPr lang="en-US" smtClean="0"/>
-              <a:t>3/13/2018</a:t>
+              <a:t>3/14/2018</a:t>
             </a:fld>
             <a:endParaRPr lang="en-US"/>
           </a:p>
@@ -2556,7 +2543,6 @@
               <a:rPr lang="en-US"/>
               <a:t>Click to edit Master title style</a:t>
             </a:r>
-            <a:endParaRPr lang="en-US"/>
           </a:p>
         </p:txBody>
       </p:sp>
@@ -2703,7 +2689,7 @@
           <a:p>
             <a:fld id="{43D46E6A-C8A5-427F-9839-AF8BD2C04FA8}" type="datetimeFigureOut">
               <a:rPr lang="en-US" smtClean="0"/>
-              <a:t>3/13/2018</a:t>
+              <a:t>3/14/2018</a:t>
             </a:fld>
             <a:endParaRPr lang="en-US"/>
           </a:p>
@@ -2815,7 +2801,6 @@
               <a:rPr lang="en-US"/>
               <a:t>Click to edit Master title style</a:t>
             </a:r>
-            <a:endParaRPr lang="en-US"/>
           </a:p>
         </p:txBody>
       </p:sp>
@@ -2877,7 +2862,6 @@
               <a:rPr lang="en-US"/>
               <a:t>Fifth level</a:t>
             </a:r>
-            <a:endParaRPr lang="en-US"/>
           </a:p>
         </p:txBody>
       </p:sp>
@@ -2916,7 +2900,7 @@
           <a:p>
             <a:fld id="{43D46E6A-C8A5-427F-9839-AF8BD2C04FA8}" type="datetimeFigureOut">
               <a:rPr lang="en-US" smtClean="0"/>
-              <a:t>3/13/2018</a:t>
+              <a:t>3/14/2018</a:t>
             </a:fld>
             <a:endParaRPr lang="en-US"/>
           </a:p>
@@ -4309,6 +4293,102 @@
     <p:extLst>
       <p:ext uri="{BB962C8B-B14F-4D97-AF65-F5344CB8AC3E}">
         <p14:creationId xmlns:p14="http://schemas.microsoft.com/office/powerpoint/2010/main" val="343320097"/>
+      </p:ext>
+    </p:extLst>
+  </p:cSld>
+  <p:clrMapOvr>
+    <a:masterClrMapping/>
+  </p:clrMapOvr>
+</p:sld>
+</file>
+
+<file path=ppt/slides/slide6.xml><?xml version="1.0" encoding="utf-8"?>
+<p:sld xmlns:a="http://schemas.openxmlformats.org/drawingml/2006/main" xmlns:r="http://schemas.openxmlformats.org/officeDocument/2006/relationships" xmlns:p="http://schemas.openxmlformats.org/presentationml/2006/main">
+  <p:cSld>
+    <p:spTree>
+      <p:nvGrpSpPr>
+        <p:cNvPr id="1" name=""/>
+        <p:cNvGrpSpPr/>
+        <p:nvPr/>
+      </p:nvGrpSpPr>
+      <p:grpSpPr>
+        <a:xfrm>
+          <a:off x="0" y="0"/>
+          <a:ext cx="0" cy="0"/>
+          <a:chOff x="0" y="0"/>
+          <a:chExt cx="0" cy="0"/>
+        </a:xfrm>
+      </p:grpSpPr>
+      <p:sp>
+        <p:nvSpPr>
+          <p:cNvPr id="2" name="TextBox 1">
+            <a:extLst>
+              <a:ext uri="{FF2B5EF4-FFF2-40B4-BE49-F238E27FC236}">
+                <a16:creationId xmlns:a16="http://schemas.microsoft.com/office/drawing/2014/main" id="{A11A8E88-50AC-4B47-9D34-8C5C879BE194}"/>
+              </a:ext>
+            </a:extLst>
+          </p:cNvPr>
+          <p:cNvSpPr txBox="1"/>
+          <p:nvPr/>
+        </p:nvSpPr>
+        <p:spPr>
+          <a:xfrm>
+            <a:off x="1981200" y="1674674"/>
+            <a:ext cx="8229600" cy="2031325"/>
+          </a:xfrm>
+          <a:prstGeom prst="rect">
+            <a:avLst/>
+          </a:prstGeom>
+          <a:noFill/>
+        </p:spPr>
+        <p:txBody>
+          <a:bodyPr wrap="square" rtlCol="0">
+            <a:spAutoFit/>
+          </a:bodyPr>
+          <a:lstStyle/>
+          <a:p>
+            <a:r>
+              <a:rPr lang="en-US" dirty="0"/>
+              <a:t>ROLE LEVEL</a:t>
+            </a:r>
+          </a:p>
+          <a:p>
+            <a:endParaRPr lang="en-US" dirty="0"/>
+          </a:p>
+          <a:p>
+            <a:endParaRPr lang="en-US" dirty="0"/>
+          </a:p>
+          <a:p>
+            <a:r>
+              <a:rPr lang="en-US" dirty="0"/>
+              <a:t>ROLE_ADMIN&gt;&gt;</a:t>
+            </a:r>
+          </a:p>
+          <a:p>
+            <a:r>
+              <a:rPr lang="en-US" dirty="0"/>
+              <a:t>ROLE_MGT&gt;&gt;</a:t>
+            </a:r>
+          </a:p>
+          <a:p>
+            <a:r>
+              <a:rPr lang="en-US" dirty="0"/>
+              <a:t>ROLE_TERRITORY, ROLE_TRANSACTION&gt;&gt;</a:t>
+            </a:r>
+          </a:p>
+          <a:p>
+            <a:r>
+              <a:rPr lang="en-US"/>
+              <a:t>ROLE_DOCTOR,ROLE_CLINIC,ROLE_HOSPITAL,ROLE_CLIENT</a:t>
+            </a:r>
+            <a:endParaRPr lang="en-US" dirty="0"/>
+          </a:p>
+        </p:txBody>
+      </p:sp>
+    </p:spTree>
+    <p:extLst>
+      <p:ext uri="{BB962C8B-B14F-4D97-AF65-F5344CB8AC3E}">
+        <p14:creationId xmlns:p14="http://schemas.microsoft.com/office/powerpoint/2010/main" val="2808235920"/>
       </p:ext>
     </p:extLst>
   </p:cSld>
